--- a/第4章-函数与模块化编程/第4章-函数与模块化编程.pptx
+++ b/第4章-函数与模块化编程/第4章-函数与模块化编程.pptx
@@ -3090,7 +3090,7 @@
               </a14:hiddenFill>
             </a:ext>
             <a:ext uri="{FAA26D3D-D897-4be2-8F04-BA451C77F1D7}">
-              <ma14:placeholderFlag xmlns:ma14="http://schemas.microsoft.com/office/mac/drawingml/2011/main" xmlns="" val="1"/>
+              <ma14:placeholderFlag xmlns="" xmlns:ma14="http://schemas.microsoft.com/office/mac/drawingml/2011/main" val="1"/>
             </a:ext>
           </a:extLst>
         </p:spPr>
@@ -3478,7 +3478,7 @@
               </a14:hiddenLine>
             </a:ext>
             <a:ext uri="{FAA26D3D-D897-4be2-8F04-BA451C77F1D7}">
-              <ma14:placeholderFlag xmlns:ma14="http://schemas.microsoft.com/office/mac/drawingml/2011/main" xmlns="" val="1"/>
+              <ma14:placeholderFlag xmlns="" xmlns:ma14="http://schemas.microsoft.com/office/mac/drawingml/2011/main" val="1"/>
             </a:ext>
           </a:extLst>
         </p:spPr>
@@ -7284,7 +7284,7 @@
               </a14:hiddenLine>
             </a:ext>
             <a:ext uri="{FAA26D3D-D897-4be2-8F04-BA451C77F1D7}">
-              <ma14:placeholderFlag xmlns:ma14="http://schemas.microsoft.com/office/mac/drawingml/2011/main" xmlns="" val="1"/>
+              <ma14:placeholderFlag xmlns="" xmlns:ma14="http://schemas.microsoft.com/office/mac/drawingml/2011/main" val="1"/>
             </a:ext>
           </a:extLst>
         </p:spPr>
@@ -10980,7 +10980,7 @@
               </a14:hiddenLine>
             </a:ext>
             <a:ext uri="{FAA26D3D-D897-4be2-8F04-BA451C77F1D7}">
-              <ma14:placeholderFlag xmlns:ma14="http://schemas.microsoft.com/office/mac/drawingml/2011/main" xmlns="" val="1"/>
+              <ma14:placeholderFlag xmlns="" xmlns:ma14="http://schemas.microsoft.com/office/mac/drawingml/2011/main" val="1"/>
             </a:ext>
           </a:extLst>
         </p:spPr>
@@ -13224,6 +13224,11 @@
           <a:prstGeom prst="rect">
             <a:avLst/>
           </a:prstGeom>
+          <a:ln w="12700">
+            <a:solidFill>
+              <a:schemeClr val="bg2"/>
+            </a:solidFill>
+          </a:ln>
         </p:spPr>
       </p:pic>
       <p:pic>
@@ -13248,12 +13253,17 @@
         </p:blipFill>
         <p:spPr>
           <a:xfrm>
-            <a:off x="6857955" y="2800023"/>
+            <a:off x="6857955" y="2812463"/>
             <a:ext cx="4850100" cy="1909123"/>
           </a:xfrm>
           <a:prstGeom prst="rect">
             <a:avLst/>
           </a:prstGeom>
+          <a:ln w="12700">
+            <a:solidFill>
+              <a:schemeClr val="bg2"/>
+            </a:solidFill>
+          </a:ln>
         </p:spPr>
       </p:pic>
       <p:pic>
@@ -13278,12 +13288,17 @@
         </p:blipFill>
         <p:spPr>
           <a:xfrm>
-            <a:off x="6857955" y="4752688"/>
+            <a:off x="6857955" y="4790008"/>
             <a:ext cx="4850100" cy="1990280"/>
           </a:xfrm>
           <a:prstGeom prst="rect">
             <a:avLst/>
           </a:prstGeom>
+          <a:ln w="12700">
+            <a:solidFill>
+              <a:schemeClr val="bg2"/>
+            </a:solidFill>
+          </a:ln>
         </p:spPr>
       </p:pic>
     </p:spTree>
@@ -13389,8 +13404,8 @@
         </p:nvSpPr>
         <p:spPr>
           <a:xfrm>
-            <a:off x="283029" y="914125"/>
-            <a:ext cx="5355771" cy="5643020"/>
+            <a:off x="283029" y="1000472"/>
+            <a:ext cx="5588000" cy="4950522"/>
           </a:xfrm>
           <a:prstGeom prst="rect">
             <a:avLst/>
